--- a/2022_씨애랑SW전시회1차중간점검_20205175박준서,20205220이바다.pptx
+++ b/2022_씨애랑SW전시회1차중간점검_20205175박준서,20205220이바다.pptx
@@ -8,6 +8,8 @@
     <p:sldId id="256" r:id="rId2"/>
     <p:sldId id="257" r:id="rId3"/>
     <p:sldId id="258" r:id="rId4"/>
+    <p:sldId id="259" r:id="rId5"/>
+    <p:sldId id="260" r:id="rId6"/>
   </p:sldIdLst>
   <p:sldSz cx="12192000" cy="6858000"/>
   <p:notesSz cx="6858000" cy="9144000"/>
@@ -3778,8 +3780,8 @@
         </p:nvSpPr>
         <p:spPr>
           <a:xfrm>
-            <a:off x="588167" y="1221580"/>
-            <a:ext cx="11015663" cy="3139321"/>
+            <a:off x="588167" y="1206051"/>
+            <a:ext cx="11015663" cy="4445897"/>
           </a:xfrm>
           <a:prstGeom prst="rect">
             <a:avLst/>
@@ -3800,7 +3802,7 @@
               <a:buChar char="ü"/>
             </a:pPr>
             <a:r>
-              <a:rPr lang="ko-KR" altLang="en-US" dirty="0">
+              <a:rPr lang="ko-KR" altLang="en-US" sz="1600" dirty="0">
                 <a:solidFill>
                   <a:srgbClr val="526680"/>
                 </a:solidFill>
@@ -3808,7 +3810,7 @@
               <a:t>팀 명 </a:t>
             </a:r>
             <a:r>
-              <a:rPr lang="en-US" altLang="ko-KR" dirty="0">
+              <a:rPr lang="en-US" altLang="ko-KR" sz="1600" dirty="0">
                 <a:solidFill>
                   <a:srgbClr val="526680"/>
                 </a:solidFill>
@@ -3816,7 +3818,7 @@
               <a:t>: </a:t>
             </a:r>
             <a:r>
-              <a:rPr lang="ko-KR" altLang="en-US" dirty="0">
+              <a:rPr lang="ko-KR" altLang="en-US" sz="1600" dirty="0">
                 <a:solidFill>
                   <a:srgbClr val="526680"/>
                 </a:solidFill>
@@ -3824,7 +3826,7 @@
               <a:t>바다와 아이</a:t>
             </a:r>
             <a:r>
-              <a:rPr lang="en-US" altLang="ko-KR" dirty="0">
+              <a:rPr lang="en-US" altLang="ko-KR" sz="1600" dirty="0">
                 <a:solidFill>
                   <a:srgbClr val="526680"/>
                 </a:solidFill>
@@ -3841,7 +3843,7 @@
               <a:buChar char="ü"/>
             </a:pPr>
             <a:r>
-              <a:rPr lang="ko-KR" altLang="en-US" dirty="0">
+              <a:rPr lang="ko-KR" altLang="en-US" sz="1600" dirty="0">
                 <a:solidFill>
                   <a:srgbClr val="526680"/>
                 </a:solidFill>
@@ -3849,7 +3851,7 @@
               <a:t>팀 원 </a:t>
             </a:r>
             <a:r>
-              <a:rPr lang="en-US" altLang="ko-KR" dirty="0">
+              <a:rPr lang="en-US" altLang="ko-KR" sz="1600" dirty="0">
                 <a:solidFill>
                   <a:srgbClr val="526680"/>
                 </a:solidFill>
@@ -3857,7 +3859,7 @@
               <a:t>: </a:t>
             </a:r>
             <a:r>
-              <a:rPr lang="ko-KR" altLang="en-US" dirty="0" err="1">
+              <a:rPr lang="ko-KR" altLang="en-US" sz="1600" dirty="0" err="1">
                 <a:solidFill>
                   <a:srgbClr val="526680"/>
                 </a:solidFill>
@@ -3865,7 +3867,7 @@
               <a:t>라떼팀</a:t>
             </a:r>
             <a:r>
-              <a:rPr lang="ko-KR" altLang="en-US" dirty="0">
+              <a:rPr lang="ko-KR" altLang="en-US" sz="1600" dirty="0">
                 <a:solidFill>
                   <a:srgbClr val="526680"/>
                 </a:solidFill>
@@ -3873,7 +3875,7 @@
               <a:t> 빅데이터 전공 </a:t>
             </a:r>
             <a:r>
-              <a:rPr lang="en-US" altLang="ko-KR" dirty="0">
+              <a:rPr lang="en-US" altLang="ko-KR" sz="1600" dirty="0">
                 <a:solidFill>
                   <a:srgbClr val="526680"/>
                 </a:solidFill>
@@ -3881,7 +3883,7 @@
               <a:t>20205175 </a:t>
             </a:r>
             <a:r>
-              <a:rPr lang="ko-KR" altLang="en-US" dirty="0">
+              <a:rPr lang="ko-KR" altLang="en-US" sz="1600" dirty="0">
                 <a:solidFill>
                   <a:srgbClr val="526680"/>
                 </a:solidFill>
@@ -3889,7 +3891,7 @@
               <a:t>박준서</a:t>
             </a:r>
             <a:r>
-              <a:rPr lang="en-US" altLang="ko-KR" dirty="0">
+              <a:rPr lang="en-US" altLang="ko-KR" sz="1600" dirty="0">
                 <a:solidFill>
                   <a:srgbClr val="526680"/>
                 </a:solidFill>
@@ -3897,7 +3899,7 @@
               <a:t>, </a:t>
             </a:r>
             <a:r>
-              <a:rPr lang="ko-KR" altLang="en-US" dirty="0" err="1">
+              <a:rPr lang="ko-KR" altLang="en-US" sz="1600" dirty="0" err="1">
                 <a:solidFill>
                   <a:srgbClr val="526680"/>
                 </a:solidFill>
@@ -3905,7 +3907,7 @@
               <a:t>라떼팀</a:t>
             </a:r>
             <a:r>
-              <a:rPr lang="ko-KR" altLang="en-US" dirty="0">
+              <a:rPr lang="ko-KR" altLang="en-US" sz="1600" dirty="0">
                 <a:solidFill>
                   <a:srgbClr val="526680"/>
                 </a:solidFill>
@@ -3913,7 +3915,7 @@
               <a:t> 콘텐츠</a:t>
             </a:r>
             <a:r>
-              <a:rPr lang="en-US" altLang="ko-KR" dirty="0">
+              <a:rPr lang="en-US" altLang="ko-KR" sz="1600" dirty="0">
                 <a:solidFill>
                   <a:srgbClr val="526680"/>
                 </a:solidFill>
@@ -3921,7 +3923,7 @@
               <a:t>IT </a:t>
             </a:r>
             <a:r>
-              <a:rPr lang="ko-KR" altLang="en-US" dirty="0">
+              <a:rPr lang="ko-KR" altLang="en-US" sz="1600" dirty="0">
                 <a:solidFill>
                   <a:srgbClr val="526680"/>
                 </a:solidFill>
@@ -3929,7 +3931,7 @@
               <a:t>전공 </a:t>
             </a:r>
             <a:r>
-              <a:rPr lang="en-US" altLang="ko-KR" dirty="0">
+              <a:rPr lang="en-US" altLang="ko-KR" sz="1600" dirty="0">
                 <a:solidFill>
                   <a:srgbClr val="526680"/>
                 </a:solidFill>
@@ -3937,14 +3939,14 @@
               <a:t>20205220 </a:t>
             </a:r>
             <a:r>
-              <a:rPr lang="ko-KR" altLang="en-US" dirty="0">
+              <a:rPr lang="ko-KR" altLang="en-US" sz="1600" dirty="0">
                 <a:solidFill>
                   <a:srgbClr val="526680"/>
                 </a:solidFill>
               </a:rPr>
               <a:t>이바다</a:t>
             </a:r>
-            <a:endParaRPr lang="en-US" altLang="ko-KR" dirty="0">
+            <a:endParaRPr lang="en-US" altLang="ko-KR" sz="1600" dirty="0">
               <a:solidFill>
                 <a:srgbClr val="526680"/>
               </a:solidFill>
@@ -3959,7 +3961,7 @@
               <a:buChar char="ü"/>
             </a:pPr>
             <a:r>
-              <a:rPr lang="ko-KR" altLang="en-US" dirty="0">
+              <a:rPr lang="ko-KR" altLang="en-US" sz="1600" dirty="0">
                 <a:solidFill>
                   <a:srgbClr val="526680"/>
                 </a:solidFill>
@@ -3967,7 +3969,7 @@
               <a:t>프로젝트명 </a:t>
             </a:r>
             <a:r>
-              <a:rPr lang="en-US" altLang="ko-KR" dirty="0">
+              <a:rPr lang="en-US" altLang="ko-KR" sz="1600" dirty="0">
                 <a:solidFill>
                   <a:srgbClr val="526680"/>
                 </a:solidFill>
@@ -3984,7 +3986,7 @@
               <a:buChar char="ü"/>
             </a:pPr>
             <a:r>
-              <a:rPr lang="ko-KR" altLang="en-US" dirty="0">
+              <a:rPr lang="ko-KR" altLang="en-US" sz="1600" dirty="0">
                 <a:solidFill>
                   <a:srgbClr val="526680"/>
                 </a:solidFill>
@@ -3992,7 +3994,7 @@
               <a:t>플랫폼</a:t>
             </a:r>
             <a:r>
-              <a:rPr lang="en-US" altLang="ko-KR" dirty="0">
+              <a:rPr lang="en-US" altLang="ko-KR" sz="1600" dirty="0">
                 <a:solidFill>
                   <a:srgbClr val="526680"/>
                 </a:solidFill>
@@ -4000,14 +4002,14 @@
               <a:t> : </a:t>
             </a:r>
             <a:r>
-              <a:rPr lang="ko-KR" altLang="en-US" dirty="0">
+              <a:rPr lang="ko-KR" altLang="en-US" sz="1600" dirty="0">
                 <a:solidFill>
                   <a:srgbClr val="526680"/>
                 </a:solidFill>
               </a:rPr>
               <a:t>안드로이드 스튜디오</a:t>
             </a:r>
-            <a:endParaRPr lang="en-US" altLang="ko-KR" dirty="0">
+            <a:endParaRPr lang="en-US" altLang="ko-KR" sz="1600" dirty="0">
               <a:solidFill>
                 <a:srgbClr val="526680"/>
               </a:solidFill>
@@ -4022,21 +4024,186 @@
               <a:buChar char="ü"/>
             </a:pPr>
             <a:r>
-              <a:rPr lang="ko-KR" altLang="en-US" dirty="0">
+              <a:rPr lang="ko-KR" altLang="en-US" sz="1600" dirty="0">
                 <a:solidFill>
                   <a:srgbClr val="526680"/>
                 </a:solidFill>
               </a:rPr>
               <a:t>프로젝트 내용</a:t>
             </a:r>
-            <a:endParaRPr lang="en-US" altLang="ko-KR" dirty="0">
+            <a:endParaRPr lang="en-US" altLang="ko-KR" sz="1600" dirty="0">
               <a:solidFill>
                 <a:srgbClr val="526680"/>
               </a:solidFill>
             </a:endParaRPr>
           </a:p>
           <a:p>
-            <a:endParaRPr lang="en-US" altLang="ko-KR" dirty="0">
+            <a:pPr>
+              <a:lnSpc>
+                <a:spcPct val="200000"/>
+              </a:lnSpc>
+            </a:pPr>
+            <a:r>
+              <a:rPr lang="ko-KR" altLang="en-US" sz="1600" dirty="0">
+                <a:solidFill>
+                  <a:srgbClr val="526680"/>
+                </a:solidFill>
+              </a:rPr>
+              <a:t>두더지 게임</a:t>
+            </a:r>
+            <a:r>
+              <a:rPr lang="en-US" altLang="ko-KR" sz="1600" dirty="0">
+                <a:solidFill>
+                  <a:srgbClr val="526680"/>
+                </a:solidFill>
+              </a:rPr>
+              <a:t>, </a:t>
+            </a:r>
+            <a:r>
+              <a:rPr lang="ko-KR" altLang="en-US" sz="1600" dirty="0">
+                <a:solidFill>
+                  <a:srgbClr val="526680"/>
+                </a:solidFill>
+              </a:rPr>
+              <a:t>카드 뒤집기 게임</a:t>
+            </a:r>
+            <a:r>
+              <a:rPr lang="en-US" altLang="ko-KR" sz="1600" dirty="0">
+                <a:solidFill>
+                  <a:srgbClr val="526680"/>
+                </a:solidFill>
+              </a:rPr>
+              <a:t>, </a:t>
+            </a:r>
+            <a:r>
+              <a:rPr lang="ko-KR" altLang="en-US" sz="1600" dirty="0">
+                <a:solidFill>
+                  <a:srgbClr val="526680"/>
+                </a:solidFill>
+              </a:rPr>
+              <a:t>숫자 야구 게임</a:t>
+            </a:r>
+            <a:r>
+              <a:rPr lang="en-US" altLang="ko-KR" sz="1600" dirty="0">
+                <a:solidFill>
+                  <a:srgbClr val="526680"/>
+                </a:solidFill>
+              </a:rPr>
+              <a:t>, </a:t>
+            </a:r>
+            <a:r>
+              <a:rPr lang="ko-KR" altLang="en-US" sz="1600" dirty="0">
+                <a:solidFill>
+                  <a:srgbClr val="526680"/>
+                </a:solidFill>
+              </a:rPr>
+              <a:t>숫자 </a:t>
+            </a:r>
+            <a:r>
+              <a:rPr lang="ko-KR" altLang="en-US" sz="1600" dirty="0" err="1">
+                <a:solidFill>
+                  <a:srgbClr val="526680"/>
+                </a:solidFill>
+              </a:rPr>
+              <a:t>업다운</a:t>
+            </a:r>
+            <a:r>
+              <a:rPr lang="ko-KR" altLang="en-US" sz="1600" dirty="0">
+                <a:solidFill>
+                  <a:srgbClr val="526680"/>
+                </a:solidFill>
+              </a:rPr>
+              <a:t> 게임</a:t>
+            </a:r>
+            <a:r>
+              <a:rPr lang="en-US" altLang="ko-KR" sz="1600" dirty="0">
+                <a:solidFill>
+                  <a:srgbClr val="526680"/>
+                </a:solidFill>
+              </a:rPr>
+              <a:t>, </a:t>
+            </a:r>
+            <a:r>
+              <a:rPr lang="ko-KR" altLang="en-US" sz="1600" dirty="0">
+                <a:solidFill>
+                  <a:srgbClr val="526680"/>
+                </a:solidFill>
+              </a:rPr>
+              <a:t>보너스 게임으로 구성된 미니게임 모음집 앱</a:t>
+            </a:r>
+            <a:endParaRPr lang="en-US" altLang="ko-KR" sz="1600" dirty="0">
+              <a:solidFill>
+                <a:srgbClr val="526680"/>
+              </a:solidFill>
+            </a:endParaRPr>
+          </a:p>
+          <a:p>
+            <a:pPr>
+              <a:lnSpc>
+                <a:spcPct val="200000"/>
+              </a:lnSpc>
+            </a:pPr>
+            <a:r>
+              <a:rPr lang="ko-KR" altLang="en-US" sz="1600" dirty="0">
+                <a:solidFill>
+                  <a:srgbClr val="526680"/>
+                </a:solidFill>
+              </a:rPr>
+              <a:t>캐릭터 선택 시 게임에 반영</a:t>
+            </a:r>
+            <a:endParaRPr lang="en-US" altLang="ko-KR" sz="1600" dirty="0">
+              <a:solidFill>
+                <a:srgbClr val="526680"/>
+              </a:solidFill>
+            </a:endParaRPr>
+          </a:p>
+          <a:p>
+            <a:pPr>
+              <a:lnSpc>
+                <a:spcPct val="200000"/>
+              </a:lnSpc>
+            </a:pPr>
+            <a:r>
+              <a:rPr lang="ko-KR" altLang="en-US" sz="1600" dirty="0">
+                <a:solidFill>
+                  <a:srgbClr val="526680"/>
+                </a:solidFill>
+              </a:rPr>
+              <a:t>각 게임별로 최고 기록을 달성 하면 파이널 점수를 부여하고</a:t>
+            </a:r>
+            <a:r>
+              <a:rPr lang="en-US" altLang="ko-KR" sz="1600" dirty="0">
+                <a:solidFill>
+                  <a:srgbClr val="526680"/>
+                </a:solidFill>
+              </a:rPr>
+              <a:t>, </a:t>
+            </a:r>
+            <a:r>
+              <a:rPr lang="ko-KR" altLang="en-US" sz="1600" dirty="0">
+                <a:solidFill>
+                  <a:srgbClr val="526680"/>
+                </a:solidFill>
+              </a:rPr>
+              <a:t>파이널 점수가 일정 점수를 달성 할 때마다 </a:t>
+            </a:r>
+            <a:r>
+              <a:rPr lang="en-US" altLang="ko-KR" sz="1600" dirty="0">
+                <a:solidFill>
+                  <a:srgbClr val="526680"/>
+                </a:solidFill>
+              </a:rPr>
+              <a:t>12</a:t>
+            </a:r>
+            <a:r>
+              <a:rPr lang="ko-KR" altLang="en-US" sz="1600" dirty="0">
+                <a:solidFill>
+                  <a:srgbClr val="526680"/>
+                </a:solidFill>
+              </a:rPr>
+              <a:t>지신 캐릭터를 하나씩 오픈 가능</a:t>
+            </a:r>
+            <a:endParaRPr lang="en-US" altLang="ko-KR" sz="1600" dirty="0">
               <a:solidFill>
                 <a:srgbClr val="526680"/>
               </a:solidFill>
@@ -4126,7 +4293,7 @@
           <a:lstStyle/>
           <a:p>
             <a:pPr algn="ctr"/>
-            <a:endParaRPr lang="ko-KR" altLang="en-US" dirty="0"/>
+            <a:endParaRPr lang="ko-KR" altLang="en-US" sz="1600" dirty="0"/>
           </a:p>
         </p:txBody>
       </p:sp>
@@ -4145,7 +4312,7 @@
         <p:spPr>
           <a:xfrm>
             <a:off x="564357" y="614363"/>
-            <a:ext cx="2448106" cy="461665"/>
+            <a:ext cx="3125599" cy="461665"/>
           </a:xfrm>
           <a:prstGeom prst="rect">
             <a:avLst/>
@@ -4159,572 +4326,1416 @@
           <a:lstStyle/>
           <a:p>
             <a:r>
-              <a:rPr lang="ko-KR" altLang="en-US" sz="2400" b="1" dirty="0">
-                <a:solidFill>
-                  <a:srgbClr val="526680"/>
-                </a:solidFill>
-              </a:rPr>
-              <a:t>미니게임 모음집</a:t>
-            </a:r>
-          </a:p>
-        </p:txBody>
-      </p:sp>
-      <p:grpSp>
-        <p:nvGrpSpPr>
-          <p:cNvPr id="17" name="그룹 16">
-            <a:extLst>
-              <a:ext uri="{FF2B5EF4-FFF2-40B4-BE49-F238E27FC236}">
-                <a16:creationId xmlns:a16="http://schemas.microsoft.com/office/drawing/2014/main" id="{6BA6B5E1-64A5-29A6-B16E-46ADF65BD482}"/>
-              </a:ext>
-            </a:extLst>
-          </p:cNvPr>
-          <p:cNvGrpSpPr/>
-          <p:nvPr/>
-        </p:nvGrpSpPr>
-        <p:grpSpPr>
-          <a:xfrm>
-            <a:off x="2559937" y="1519326"/>
-            <a:ext cx="2700337" cy="4447313"/>
-            <a:chOff x="750094" y="1464469"/>
-            <a:chExt cx="2700337" cy="4447313"/>
-          </a:xfrm>
-        </p:grpSpPr>
-        <p:sp>
-          <p:nvSpPr>
-            <p:cNvPr id="6" name="직사각형 5">
-              <a:extLst>
-                <a:ext uri="{FF2B5EF4-FFF2-40B4-BE49-F238E27FC236}">
-                  <a16:creationId xmlns:a16="http://schemas.microsoft.com/office/drawing/2014/main" id="{3799A431-ACE0-778D-733C-854F0477FBB9}"/>
-                </a:ext>
-              </a:extLst>
-            </p:cNvPr>
-            <p:cNvSpPr/>
-            <p:nvPr/>
-          </p:nvSpPr>
-          <p:spPr>
-            <a:xfrm>
-              <a:off x="750094" y="1464469"/>
-              <a:ext cx="2700337" cy="3950494"/>
-            </a:xfrm>
-            <a:prstGeom prst="rect">
-              <a:avLst/>
-            </a:prstGeom>
-            <a:noFill/>
-            <a:ln>
+              <a:rPr lang="en-US" altLang="ko-KR" sz="2400" b="1" dirty="0">
+                <a:solidFill>
+                  <a:srgbClr val="526680"/>
+                </a:solidFill>
+              </a:rPr>
+              <a:t>Mini Game Paradise</a:t>
+            </a:r>
+            <a:endParaRPr lang="ko-KR" altLang="en-US" sz="2400" b="1" dirty="0">
               <a:solidFill>
                 <a:srgbClr val="526680"/>
               </a:solidFill>
-            </a:ln>
-          </p:spPr>
-          <p:style>
-            <a:lnRef idx="2">
-              <a:schemeClr val="accent1">
-                <a:shade val="50000"/>
-              </a:schemeClr>
-            </a:lnRef>
-            <a:fillRef idx="1">
-              <a:schemeClr val="accent1"/>
-            </a:fillRef>
-            <a:effectRef idx="0">
-              <a:schemeClr val="accent1"/>
-            </a:effectRef>
-            <a:fontRef idx="minor">
-              <a:schemeClr val="lt1"/>
-            </a:fontRef>
-          </p:style>
-          <p:txBody>
-            <a:bodyPr rtlCol="0" anchor="ctr"/>
-            <a:lstStyle/>
-            <a:p>
-              <a:pPr algn="ctr"/>
-              <a:endParaRPr lang="ko-KR" altLang="en-US"/>
-            </a:p>
-          </p:txBody>
-        </p:sp>
-        <p:sp>
-          <p:nvSpPr>
-            <p:cNvPr id="7" name="직사각형 6">
-              <a:extLst>
-                <a:ext uri="{FF2B5EF4-FFF2-40B4-BE49-F238E27FC236}">
-                  <a16:creationId xmlns:a16="http://schemas.microsoft.com/office/drawing/2014/main" id="{6A0EA4F1-123F-AABA-EB96-F3890A2E23C8}"/>
-                </a:ext>
-              </a:extLst>
-            </p:cNvPr>
-            <p:cNvSpPr/>
-            <p:nvPr/>
-          </p:nvSpPr>
-          <p:spPr>
-            <a:xfrm>
-              <a:off x="867965" y="1678781"/>
-              <a:ext cx="2464594" cy="557213"/>
-            </a:xfrm>
-            <a:prstGeom prst="rect">
-              <a:avLst/>
-            </a:prstGeom>
-            <a:noFill/>
-            <a:ln>
+            </a:endParaRPr>
+          </a:p>
+        </p:txBody>
+      </p:sp>
+      <p:sp>
+        <p:nvSpPr>
+          <p:cNvPr id="3" name="TextBox 2">
+            <a:extLst>
+              <a:ext uri="{FF2B5EF4-FFF2-40B4-BE49-F238E27FC236}">
+                <a16:creationId xmlns:a16="http://schemas.microsoft.com/office/drawing/2014/main" id="{9482BFF1-AA17-DE8D-07D2-97844F2BB69C}"/>
+              </a:ext>
+            </a:extLst>
+          </p:cNvPr>
+          <p:cNvSpPr txBox="1"/>
+          <p:nvPr/>
+        </p:nvSpPr>
+        <p:spPr>
+          <a:xfrm>
+            <a:off x="588167" y="1206051"/>
+            <a:ext cx="11015663" cy="4445897"/>
+          </a:xfrm>
+          <a:prstGeom prst="rect">
+            <a:avLst/>
+          </a:prstGeom>
+          <a:noFill/>
+        </p:spPr>
+        <p:txBody>
+          <a:bodyPr wrap="square" rtlCol="0">
+            <a:spAutoFit/>
+          </a:bodyPr>
+          <a:lstStyle/>
+          <a:p>
+            <a:pPr marL="285750" indent="-285750">
+              <a:lnSpc>
+                <a:spcPct val="200000"/>
+              </a:lnSpc>
+              <a:buFont typeface="Wingdings" panose="05000000000000000000" pitchFamily="2" charset="2"/>
+              <a:buChar char="ü"/>
+            </a:pPr>
+            <a:r>
+              <a:rPr lang="ko-KR" altLang="en-US" sz="1600" dirty="0">
+                <a:solidFill>
+                  <a:srgbClr val="526680"/>
+                </a:solidFill>
+              </a:rPr>
+              <a:t>게임 내용</a:t>
+            </a:r>
+            <a:endParaRPr lang="en-US" altLang="ko-KR" sz="1600" dirty="0">
               <a:solidFill>
                 <a:srgbClr val="526680"/>
               </a:solidFill>
-            </a:ln>
-          </p:spPr>
-          <p:style>
-            <a:lnRef idx="2">
-              <a:schemeClr val="accent1">
-                <a:shade val="50000"/>
-              </a:schemeClr>
-            </a:lnRef>
-            <a:fillRef idx="1">
-              <a:schemeClr val="accent1"/>
-            </a:fillRef>
-            <a:effectRef idx="0">
-              <a:schemeClr val="accent1"/>
-            </a:effectRef>
-            <a:fontRef idx="minor">
-              <a:schemeClr val="lt1"/>
-            </a:fontRef>
-          </p:style>
-          <p:txBody>
-            <a:bodyPr rtlCol="0" anchor="ctr"/>
-            <a:lstStyle/>
-            <a:p>
-              <a:pPr algn="ctr"/>
-              <a:r>
-                <a:rPr lang="ko-KR" altLang="en-US" dirty="0">
-                  <a:solidFill>
-                    <a:srgbClr val="526680"/>
-                  </a:solidFill>
-                </a:rPr>
-                <a:t>미니게임 모음집</a:t>
-              </a:r>
-            </a:p>
-          </p:txBody>
-        </p:sp>
-        <p:sp>
-          <p:nvSpPr>
-            <p:cNvPr id="8" name="직사각형 7">
-              <a:extLst>
-                <a:ext uri="{FF2B5EF4-FFF2-40B4-BE49-F238E27FC236}">
-                  <a16:creationId xmlns:a16="http://schemas.microsoft.com/office/drawing/2014/main" id="{D1524FA5-F6B8-482E-8419-816429B60193}"/>
-                </a:ext>
-              </a:extLst>
-            </p:cNvPr>
-            <p:cNvSpPr/>
-            <p:nvPr/>
-          </p:nvSpPr>
-          <p:spPr>
-            <a:xfrm>
-              <a:off x="901898" y="2363481"/>
-              <a:ext cx="2396728" cy="2771775"/>
-            </a:xfrm>
-            <a:prstGeom prst="rect">
-              <a:avLst/>
-            </a:prstGeom>
-            <a:noFill/>
-            <a:ln>
+            </a:endParaRPr>
+          </a:p>
+          <a:p>
+            <a:pPr>
+              <a:lnSpc>
+                <a:spcPct val="200000"/>
+              </a:lnSpc>
+            </a:pPr>
+            <a:r>
+              <a:rPr lang="ko-KR" altLang="en-US" sz="1600" dirty="0">
+                <a:solidFill>
+                  <a:srgbClr val="526680"/>
+                </a:solidFill>
+              </a:rPr>
+              <a:t>두더지 게임 </a:t>
+            </a:r>
+            <a:r>
+              <a:rPr lang="en-US" altLang="ko-KR" sz="1600" dirty="0">
+                <a:solidFill>
+                  <a:srgbClr val="526680"/>
+                </a:solidFill>
+              </a:rPr>
+              <a:t>: </a:t>
+            </a:r>
+            <a:r>
+              <a:rPr lang="ko-KR" altLang="en-US" sz="1600" dirty="0">
+                <a:solidFill>
+                  <a:srgbClr val="526680"/>
+                </a:solidFill>
+              </a:rPr>
+              <a:t>선택한 캐릭터와 </a:t>
+            </a:r>
+            <a:r>
+              <a:rPr lang="ko-KR" altLang="en-US" sz="1600" dirty="0" err="1">
+                <a:solidFill>
+                  <a:srgbClr val="526680"/>
+                </a:solidFill>
+              </a:rPr>
+              <a:t>부리부리몬이</a:t>
+            </a:r>
+            <a:r>
+              <a:rPr lang="ko-KR" altLang="en-US" sz="1600" dirty="0">
+                <a:solidFill>
+                  <a:srgbClr val="526680"/>
+                </a:solidFill>
+              </a:rPr>
+              <a:t> 랜덤으로 올라오고</a:t>
+            </a:r>
+            <a:r>
+              <a:rPr lang="en-US" altLang="ko-KR" sz="1600" dirty="0">
+                <a:solidFill>
+                  <a:srgbClr val="526680"/>
+                </a:solidFill>
+              </a:rPr>
+              <a:t>, </a:t>
+            </a:r>
+            <a:r>
+              <a:rPr lang="ko-KR" altLang="en-US" sz="1600" dirty="0">
+                <a:solidFill>
+                  <a:srgbClr val="526680"/>
+                </a:solidFill>
+              </a:rPr>
+              <a:t>캐릭터를 누르면 점수를 획득하고 </a:t>
+            </a:r>
+            <a:r>
+              <a:rPr lang="ko-KR" altLang="en-US" sz="1600" dirty="0" err="1">
+                <a:solidFill>
+                  <a:srgbClr val="526680"/>
+                </a:solidFill>
+              </a:rPr>
+              <a:t>부리부리몬을</a:t>
+            </a:r>
+            <a:r>
+              <a:rPr lang="ko-KR" altLang="en-US" sz="1600" dirty="0">
+                <a:solidFill>
+                  <a:srgbClr val="526680"/>
+                </a:solidFill>
+              </a:rPr>
+              <a:t> 누르면 점수를 뺏김</a:t>
+            </a:r>
+            <a:endParaRPr lang="en-US" altLang="ko-KR" sz="1600" dirty="0">
               <a:solidFill>
                 <a:srgbClr val="526680"/>
               </a:solidFill>
-            </a:ln>
-          </p:spPr>
-          <p:style>
-            <a:lnRef idx="2">
-              <a:schemeClr val="accent1">
-                <a:shade val="50000"/>
-              </a:schemeClr>
-            </a:lnRef>
-            <a:fillRef idx="1">
-              <a:schemeClr val="accent1"/>
-            </a:fillRef>
-            <a:effectRef idx="0">
-              <a:schemeClr val="accent1"/>
-            </a:effectRef>
-            <a:fontRef idx="minor">
-              <a:schemeClr val="lt1"/>
-            </a:fontRef>
-          </p:style>
-          <p:txBody>
-            <a:bodyPr rtlCol="0" anchor="ctr"/>
-            <a:lstStyle/>
-            <a:p>
-              <a:pPr algn="ctr"/>
-              <a:r>
-                <a:rPr lang="ko-KR" altLang="en-US" sz="1600" dirty="0">
-                  <a:solidFill>
-                    <a:srgbClr val="526680"/>
-                  </a:solidFill>
-                </a:rPr>
-                <a:t>미니게임 리스트</a:t>
-              </a:r>
-              <a:endParaRPr lang="en-US" altLang="ko-KR" sz="1600" dirty="0">
-                <a:solidFill>
-                  <a:srgbClr val="526680"/>
-                </a:solidFill>
-              </a:endParaRPr>
-            </a:p>
-            <a:p>
-              <a:pPr algn="ctr"/>
-              <a:r>
-                <a:rPr lang="ko-KR" altLang="en-US" sz="1600" dirty="0">
-                  <a:solidFill>
-                    <a:srgbClr val="526680"/>
-                  </a:solidFill>
-                </a:rPr>
-                <a:t>가능하면 이미지 추가할 예정</a:t>
-              </a:r>
-            </a:p>
-          </p:txBody>
-        </p:sp>
-        <p:sp>
-          <p:nvSpPr>
-            <p:cNvPr id="9" name="TextBox 8">
-              <a:extLst>
-                <a:ext uri="{FF2B5EF4-FFF2-40B4-BE49-F238E27FC236}">
-                  <a16:creationId xmlns:a16="http://schemas.microsoft.com/office/drawing/2014/main" id="{72EC3293-4BEC-FE63-5000-990E7243996F}"/>
-                </a:ext>
-              </a:extLst>
-            </p:cNvPr>
-            <p:cNvSpPr txBox="1"/>
-            <p:nvPr/>
-          </p:nvSpPr>
-          <p:spPr>
-            <a:xfrm>
-              <a:off x="1505387" y="5542450"/>
-              <a:ext cx="1189749" cy="369332"/>
-            </a:xfrm>
-            <a:prstGeom prst="rect">
-              <a:avLst/>
-            </a:prstGeom>
-            <a:noFill/>
-          </p:spPr>
-          <p:txBody>
-            <a:bodyPr wrap="none" rtlCol="0">
-              <a:spAutoFit/>
-            </a:bodyPr>
-            <a:lstStyle/>
-            <a:p>
-              <a:r>
-                <a:rPr lang="ko-KR" altLang="en-US" dirty="0">
-                  <a:solidFill>
-                    <a:srgbClr val="526680"/>
-                  </a:solidFill>
-                </a:rPr>
-                <a:t>메인 화면</a:t>
-              </a:r>
-            </a:p>
-          </p:txBody>
-        </p:sp>
-      </p:grpSp>
-      <p:grpSp>
-        <p:nvGrpSpPr>
-          <p:cNvPr id="18" name="그룹 17">
-            <a:extLst>
-              <a:ext uri="{FF2B5EF4-FFF2-40B4-BE49-F238E27FC236}">
-                <a16:creationId xmlns:a16="http://schemas.microsoft.com/office/drawing/2014/main" id="{02B6583C-4A31-C695-EE3F-D66856ACB221}"/>
-              </a:ext>
-            </a:extLst>
-          </p:cNvPr>
-          <p:cNvGrpSpPr/>
-          <p:nvPr/>
-        </p:nvGrpSpPr>
-        <p:grpSpPr>
-          <a:xfrm>
-            <a:off x="6931728" y="1519326"/>
-            <a:ext cx="2700337" cy="4724311"/>
-            <a:chOff x="4574381" y="1464469"/>
-            <a:chExt cx="2700337" cy="4724311"/>
-          </a:xfrm>
-        </p:grpSpPr>
-        <p:sp>
-          <p:nvSpPr>
-            <p:cNvPr id="10" name="직사각형 9">
-              <a:extLst>
-                <a:ext uri="{FF2B5EF4-FFF2-40B4-BE49-F238E27FC236}">
-                  <a16:creationId xmlns:a16="http://schemas.microsoft.com/office/drawing/2014/main" id="{0570A0F4-2A7A-941D-847E-7298CDE25261}"/>
-                </a:ext>
-              </a:extLst>
-            </p:cNvPr>
-            <p:cNvSpPr/>
-            <p:nvPr/>
-          </p:nvSpPr>
-          <p:spPr>
-            <a:xfrm>
-              <a:off x="4574381" y="1464469"/>
-              <a:ext cx="2700337" cy="3950494"/>
-            </a:xfrm>
-            <a:prstGeom prst="rect">
-              <a:avLst/>
-            </a:prstGeom>
-            <a:noFill/>
-            <a:ln>
+            </a:endParaRPr>
+          </a:p>
+          <a:p>
+            <a:pPr>
+              <a:lnSpc>
+                <a:spcPct val="200000"/>
+              </a:lnSpc>
+            </a:pPr>
+            <a:r>
+              <a:rPr lang="ko-KR" altLang="en-US" sz="1600" dirty="0">
+                <a:solidFill>
+                  <a:srgbClr val="526680"/>
+                </a:solidFill>
+              </a:rPr>
+              <a:t>카드 뒤집기 게임 </a:t>
+            </a:r>
+            <a:r>
+              <a:rPr lang="en-US" altLang="ko-KR" sz="1600" dirty="0">
+                <a:solidFill>
+                  <a:srgbClr val="526680"/>
+                </a:solidFill>
+              </a:rPr>
+              <a:t>: </a:t>
+            </a:r>
+            <a:r>
+              <a:rPr lang="ko-KR" altLang="en-US" sz="1600" dirty="0">
+                <a:solidFill>
+                  <a:srgbClr val="526680"/>
+                </a:solidFill>
+              </a:rPr>
+              <a:t>아직 </a:t>
+            </a:r>
+            <a:r>
+              <a:rPr lang="ko-KR" altLang="en-US" sz="1600" dirty="0" err="1">
+                <a:solidFill>
+                  <a:srgbClr val="526680"/>
+                </a:solidFill>
+              </a:rPr>
+              <a:t>구상중</a:t>
+            </a:r>
+            <a:endParaRPr lang="en-US" altLang="ko-KR" sz="1600" dirty="0">
               <a:solidFill>
                 <a:srgbClr val="526680"/>
               </a:solidFill>
-            </a:ln>
-          </p:spPr>
-          <p:style>
-            <a:lnRef idx="2">
-              <a:schemeClr val="accent1">
-                <a:shade val="50000"/>
-              </a:schemeClr>
-            </a:lnRef>
-            <a:fillRef idx="1">
-              <a:schemeClr val="accent1"/>
-            </a:fillRef>
-            <a:effectRef idx="0">
-              <a:schemeClr val="accent1"/>
-            </a:effectRef>
-            <a:fontRef idx="minor">
-              <a:schemeClr val="lt1"/>
-            </a:fontRef>
-          </p:style>
-          <p:txBody>
-            <a:bodyPr rtlCol="0" anchor="ctr"/>
-            <a:lstStyle/>
-            <a:p>
-              <a:pPr algn="ctr"/>
-              <a:endParaRPr lang="ko-KR" altLang="en-US"/>
-            </a:p>
-          </p:txBody>
-        </p:sp>
-        <p:sp>
-          <p:nvSpPr>
-            <p:cNvPr id="11" name="직사각형 10">
-              <a:extLst>
-                <a:ext uri="{FF2B5EF4-FFF2-40B4-BE49-F238E27FC236}">
-                  <a16:creationId xmlns:a16="http://schemas.microsoft.com/office/drawing/2014/main" id="{424990BD-F4D9-FB39-8C78-AFDB8BA2315E}"/>
-                </a:ext>
-              </a:extLst>
-            </p:cNvPr>
-            <p:cNvSpPr/>
-            <p:nvPr/>
-          </p:nvSpPr>
-          <p:spPr>
-            <a:xfrm>
-              <a:off x="4692252" y="1678780"/>
-              <a:ext cx="1544242" cy="557214"/>
-            </a:xfrm>
-            <a:prstGeom prst="rect">
-              <a:avLst/>
-            </a:prstGeom>
-            <a:noFill/>
-            <a:ln>
+            </a:endParaRPr>
+          </a:p>
+          <a:p>
+            <a:pPr>
+              <a:lnSpc>
+                <a:spcPct val="200000"/>
+              </a:lnSpc>
+            </a:pPr>
+            <a:r>
+              <a:rPr lang="ko-KR" altLang="en-US" sz="1600" dirty="0">
+                <a:solidFill>
+                  <a:srgbClr val="526680"/>
+                </a:solidFill>
+              </a:rPr>
+              <a:t>숫자 야구 게임 </a:t>
+            </a:r>
+            <a:r>
+              <a:rPr lang="en-US" altLang="ko-KR" sz="1600" dirty="0">
+                <a:solidFill>
+                  <a:srgbClr val="526680"/>
+                </a:solidFill>
+              </a:rPr>
+              <a:t>: </a:t>
+            </a:r>
+            <a:r>
+              <a:rPr lang="ko-KR" altLang="en-US" sz="1600" dirty="0" err="1">
+                <a:solidFill>
+                  <a:srgbClr val="526680"/>
+                </a:solidFill>
+              </a:rPr>
+              <a:t>세자리</a:t>
+            </a:r>
+            <a:r>
+              <a:rPr lang="ko-KR" altLang="en-US" sz="1600" dirty="0">
+                <a:solidFill>
+                  <a:srgbClr val="526680"/>
+                </a:solidFill>
+              </a:rPr>
+              <a:t> 숫자가 랜덤 결정되고</a:t>
+            </a:r>
+            <a:r>
+              <a:rPr lang="en-US" altLang="ko-KR" sz="1600" dirty="0">
+                <a:solidFill>
+                  <a:srgbClr val="526680"/>
+                </a:solidFill>
+              </a:rPr>
+              <a:t>, </a:t>
+            </a:r>
+            <a:r>
+              <a:rPr lang="ko-KR" altLang="en-US" sz="1600" dirty="0">
+                <a:solidFill>
+                  <a:srgbClr val="526680"/>
+                </a:solidFill>
+              </a:rPr>
+              <a:t>그 숫자를 맞추는 게임</a:t>
+            </a:r>
+            <a:r>
+              <a:rPr lang="en-US" altLang="ko-KR" sz="1600" dirty="0">
+                <a:solidFill>
+                  <a:srgbClr val="526680"/>
+                </a:solidFill>
+              </a:rPr>
+              <a:t> / </a:t>
+            </a:r>
+            <a:r>
+              <a:rPr lang="ko-KR" altLang="en-US" sz="1600" dirty="0">
+                <a:solidFill>
+                  <a:srgbClr val="526680"/>
+                </a:solidFill>
+              </a:rPr>
+              <a:t>게임오버가 되기 전까지 점수 누적</a:t>
+            </a:r>
+            <a:r>
+              <a:rPr lang="en-US" altLang="ko-KR" sz="1600" dirty="0">
+                <a:solidFill>
+                  <a:srgbClr val="526680"/>
+                </a:solidFill>
+              </a:rPr>
+              <a:t>, </a:t>
+            </a:r>
+            <a:r>
+              <a:rPr lang="ko-KR" altLang="en-US" sz="1600" dirty="0">
+                <a:solidFill>
+                  <a:srgbClr val="526680"/>
+                </a:solidFill>
+              </a:rPr>
+              <a:t>제한된 기회안에 숫자를 맞추지 못하면 게임 오버</a:t>
+            </a:r>
+            <a:endParaRPr lang="en-US" altLang="ko-KR" sz="1600" dirty="0">
               <a:solidFill>
                 <a:srgbClr val="526680"/>
               </a:solidFill>
-            </a:ln>
-          </p:spPr>
-          <p:style>
-            <a:lnRef idx="2">
-              <a:schemeClr val="accent1">
-                <a:shade val="50000"/>
-              </a:schemeClr>
-            </a:lnRef>
-            <a:fillRef idx="1">
-              <a:schemeClr val="accent1"/>
-            </a:fillRef>
-            <a:effectRef idx="0">
-              <a:schemeClr val="accent1"/>
-            </a:effectRef>
-            <a:fontRef idx="minor">
-              <a:schemeClr val="lt1"/>
-            </a:fontRef>
-          </p:style>
-          <p:txBody>
-            <a:bodyPr rtlCol="0" anchor="ctr"/>
-            <a:lstStyle/>
-            <a:p>
-              <a:pPr algn="ctr"/>
-              <a:r>
-                <a:rPr lang="ko-KR" altLang="en-US" sz="1600" dirty="0">
-                  <a:solidFill>
-                    <a:srgbClr val="526680"/>
-                  </a:solidFill>
-                </a:rPr>
-                <a:t>미니게임 이름</a:t>
-              </a:r>
-            </a:p>
-          </p:txBody>
-        </p:sp>
-        <p:sp>
-          <p:nvSpPr>
-            <p:cNvPr id="12" name="직사각형 11">
-              <a:extLst>
-                <a:ext uri="{FF2B5EF4-FFF2-40B4-BE49-F238E27FC236}">
-                  <a16:creationId xmlns:a16="http://schemas.microsoft.com/office/drawing/2014/main" id="{0945104C-4EF6-4FC3-64A3-9EEBAE60A826}"/>
-                </a:ext>
-              </a:extLst>
-            </p:cNvPr>
-            <p:cNvSpPr/>
-            <p:nvPr/>
-          </p:nvSpPr>
-          <p:spPr>
-            <a:xfrm>
-              <a:off x="4726185" y="2363480"/>
-              <a:ext cx="2396728" cy="2771775"/>
-            </a:xfrm>
-            <a:prstGeom prst="rect">
-              <a:avLst/>
-            </a:prstGeom>
-            <a:noFill/>
-            <a:ln>
+            </a:endParaRPr>
+          </a:p>
+          <a:p>
+            <a:pPr>
+              <a:lnSpc>
+                <a:spcPct val="200000"/>
+              </a:lnSpc>
+            </a:pPr>
+            <a:r>
+              <a:rPr lang="ko-KR" altLang="en-US" sz="1600" dirty="0">
+                <a:solidFill>
+                  <a:srgbClr val="526680"/>
+                </a:solidFill>
+              </a:rPr>
+              <a:t>숫자 </a:t>
+            </a:r>
+            <a:r>
+              <a:rPr lang="ko-KR" altLang="en-US" sz="1600" dirty="0" err="1">
+                <a:solidFill>
+                  <a:srgbClr val="526680"/>
+                </a:solidFill>
+              </a:rPr>
+              <a:t>업다운</a:t>
+            </a:r>
+            <a:r>
+              <a:rPr lang="ko-KR" altLang="en-US" sz="1600" dirty="0">
+                <a:solidFill>
+                  <a:srgbClr val="526680"/>
+                </a:solidFill>
+              </a:rPr>
+              <a:t> 게임 </a:t>
+            </a:r>
+            <a:r>
+              <a:rPr lang="en-US" altLang="ko-KR" sz="1600" dirty="0">
+                <a:solidFill>
+                  <a:srgbClr val="526680"/>
+                </a:solidFill>
+              </a:rPr>
+              <a:t>: </a:t>
+            </a:r>
+            <a:r>
+              <a:rPr lang="ko-KR" altLang="en-US" sz="1600" dirty="0">
+                <a:solidFill>
+                  <a:srgbClr val="526680"/>
+                </a:solidFill>
+              </a:rPr>
+              <a:t>아직 </a:t>
+            </a:r>
+            <a:r>
+              <a:rPr lang="ko-KR" altLang="en-US" sz="1600" dirty="0" err="1">
+                <a:solidFill>
+                  <a:srgbClr val="526680"/>
+                </a:solidFill>
+              </a:rPr>
+              <a:t>구상중</a:t>
+            </a:r>
+            <a:endParaRPr lang="en-US" altLang="ko-KR" sz="1600" dirty="0">
               <a:solidFill>
                 <a:srgbClr val="526680"/>
               </a:solidFill>
-            </a:ln>
-          </p:spPr>
-          <p:style>
-            <a:lnRef idx="2">
-              <a:schemeClr val="accent1">
-                <a:shade val="50000"/>
-              </a:schemeClr>
-            </a:lnRef>
-            <a:fillRef idx="1">
-              <a:schemeClr val="accent1"/>
-            </a:fillRef>
-            <a:effectRef idx="0">
-              <a:schemeClr val="accent1"/>
-            </a:effectRef>
-            <a:fontRef idx="minor">
-              <a:schemeClr val="lt1"/>
-            </a:fontRef>
-          </p:style>
-          <p:txBody>
-            <a:bodyPr rtlCol="0" anchor="ctr"/>
-            <a:lstStyle/>
-            <a:p>
-              <a:pPr algn="ctr"/>
-              <a:r>
-                <a:rPr lang="ko-KR" altLang="en-US" sz="1600" dirty="0">
-                  <a:solidFill>
-                    <a:srgbClr val="526680"/>
-                  </a:solidFill>
-                </a:rPr>
-                <a:t>미니게임</a:t>
-              </a:r>
-            </a:p>
-          </p:txBody>
-        </p:sp>
-        <p:sp>
-          <p:nvSpPr>
-            <p:cNvPr id="14" name="직사각형 13">
-              <a:extLst>
-                <a:ext uri="{FF2B5EF4-FFF2-40B4-BE49-F238E27FC236}">
-                  <a16:creationId xmlns:a16="http://schemas.microsoft.com/office/drawing/2014/main" id="{670839B6-AD8C-E9A8-3406-18BF8EA55051}"/>
-                </a:ext>
-              </a:extLst>
-            </p:cNvPr>
-            <p:cNvSpPr/>
-            <p:nvPr/>
-          </p:nvSpPr>
-          <p:spPr>
-            <a:xfrm>
-              <a:off x="6377582" y="1693068"/>
-              <a:ext cx="756048" cy="532300"/>
-            </a:xfrm>
-            <a:prstGeom prst="rect">
-              <a:avLst/>
-            </a:prstGeom>
-            <a:noFill/>
-            <a:ln>
+            </a:endParaRPr>
+          </a:p>
+          <a:p>
+            <a:pPr>
+              <a:lnSpc>
+                <a:spcPct val="200000"/>
+              </a:lnSpc>
+            </a:pPr>
+            <a:r>
+              <a:rPr lang="ko-KR" altLang="en-US" sz="1600" dirty="0">
+                <a:solidFill>
+                  <a:srgbClr val="526680"/>
+                </a:solidFill>
+              </a:rPr>
+              <a:t>보너스 게임 </a:t>
+            </a:r>
+            <a:r>
+              <a:rPr lang="en-US" altLang="ko-KR" sz="1600" dirty="0">
+                <a:solidFill>
+                  <a:srgbClr val="526680"/>
+                </a:solidFill>
+              </a:rPr>
+              <a:t>: </a:t>
+            </a:r>
+            <a:r>
+              <a:rPr lang="ko-KR" altLang="en-US" sz="1600" dirty="0">
+                <a:solidFill>
+                  <a:srgbClr val="526680"/>
+                </a:solidFill>
+              </a:rPr>
+              <a:t>버튼 </a:t>
+            </a:r>
+            <a:r>
+              <a:rPr lang="en-US" altLang="ko-KR" sz="1600" dirty="0">
+                <a:solidFill>
+                  <a:srgbClr val="526680"/>
+                </a:solidFill>
+              </a:rPr>
+              <a:t>2</a:t>
+            </a:r>
+            <a:r>
+              <a:rPr lang="ko-KR" altLang="en-US" sz="1600" dirty="0">
+                <a:solidFill>
+                  <a:srgbClr val="526680"/>
+                </a:solidFill>
+              </a:rPr>
+              <a:t>개 중 랜덤으로 하나가 당첨 버튼 </a:t>
+            </a:r>
+            <a:r>
+              <a:rPr lang="en-US" altLang="ko-KR" sz="1600" dirty="0">
+                <a:solidFill>
+                  <a:srgbClr val="526680"/>
+                </a:solidFill>
+              </a:rPr>
+              <a:t>/ </a:t>
+            </a:r>
+            <a:r>
+              <a:rPr lang="ko-KR" altLang="en-US" sz="1600" dirty="0">
+                <a:solidFill>
+                  <a:srgbClr val="526680"/>
+                </a:solidFill>
+              </a:rPr>
+              <a:t>당첨 버튼을 누르면 파이널 점수 </a:t>
+            </a:r>
+            <a:r>
+              <a:rPr lang="en-US" altLang="ko-KR" sz="1600" dirty="0">
+                <a:solidFill>
+                  <a:srgbClr val="526680"/>
+                </a:solidFill>
+              </a:rPr>
+              <a:t>X2 / </a:t>
+            </a:r>
+            <a:r>
+              <a:rPr lang="ko-KR" altLang="en-US" sz="1600" dirty="0">
+                <a:solidFill>
+                  <a:srgbClr val="526680"/>
+                </a:solidFill>
+              </a:rPr>
+              <a:t>보너스 게임은 각 게임별로 최고 기록을 달성하면 자동 진행</a:t>
+            </a:r>
+            <a:endParaRPr lang="en-US" altLang="ko-KR" sz="1600" dirty="0">
               <a:solidFill>
                 <a:srgbClr val="526680"/>
               </a:solidFill>
-            </a:ln>
-          </p:spPr>
-          <p:style>
-            <a:lnRef idx="2">
-              <a:schemeClr val="accent1">
-                <a:shade val="50000"/>
-              </a:schemeClr>
-            </a:lnRef>
-            <a:fillRef idx="1">
-              <a:schemeClr val="accent1"/>
-            </a:fillRef>
-            <a:effectRef idx="0">
-              <a:schemeClr val="accent1"/>
-            </a:effectRef>
-            <a:fontRef idx="minor">
-              <a:schemeClr val="lt1"/>
-            </a:fontRef>
-          </p:style>
-          <p:txBody>
-            <a:bodyPr rtlCol="0" anchor="ctr"/>
-            <a:lstStyle/>
-            <a:p>
-              <a:pPr algn="ctr"/>
-              <a:r>
-                <a:rPr lang="ko-KR" altLang="en-US" sz="1400" dirty="0">
-                  <a:solidFill>
-                    <a:srgbClr val="526680"/>
-                  </a:solidFill>
-                </a:rPr>
-                <a:t>최고 기록</a:t>
-              </a:r>
-            </a:p>
-          </p:txBody>
-        </p:sp>
-        <p:sp>
-          <p:nvSpPr>
-            <p:cNvPr id="15" name="TextBox 14">
-              <a:extLst>
-                <a:ext uri="{FF2B5EF4-FFF2-40B4-BE49-F238E27FC236}">
-                  <a16:creationId xmlns:a16="http://schemas.microsoft.com/office/drawing/2014/main" id="{1E3451D9-C414-CD3F-0A3E-9A8B4F7E1B8A}"/>
-                </a:ext>
-              </a:extLst>
-            </p:cNvPr>
-            <p:cNvSpPr txBox="1"/>
-            <p:nvPr/>
-          </p:nvSpPr>
-          <p:spPr>
-            <a:xfrm>
-              <a:off x="4670840" y="5542449"/>
-              <a:ext cx="2507418" cy="646331"/>
-            </a:xfrm>
-            <a:prstGeom prst="rect">
-              <a:avLst/>
-            </a:prstGeom>
-            <a:noFill/>
-          </p:spPr>
-          <p:txBody>
-            <a:bodyPr wrap="none" rtlCol="0">
-              <a:spAutoFit/>
-            </a:bodyPr>
-            <a:lstStyle/>
-            <a:p>
-              <a:pPr algn="ctr"/>
-              <a:r>
-                <a:rPr lang="ko-KR" altLang="en-US" dirty="0">
-                  <a:solidFill>
-                    <a:srgbClr val="526680"/>
-                  </a:solidFill>
-                </a:rPr>
-                <a:t>기본 게임 화면이지만 </a:t>
-              </a:r>
-              <a:endParaRPr lang="en-US" altLang="ko-KR" dirty="0">
-                <a:solidFill>
-                  <a:srgbClr val="526680"/>
-                </a:solidFill>
-              </a:endParaRPr>
-            </a:p>
-            <a:p>
-              <a:pPr algn="ctr"/>
-              <a:r>
-                <a:rPr lang="ko-KR" altLang="en-US" dirty="0">
-                  <a:solidFill>
-                    <a:srgbClr val="526680"/>
-                  </a:solidFill>
-                </a:rPr>
-                <a:t>아직 구상 중</a:t>
-              </a:r>
-            </a:p>
-          </p:txBody>
-        </p:sp>
-      </p:grpSp>
+            </a:endParaRPr>
+          </a:p>
+        </p:txBody>
+      </p:sp>
     </p:spTree>
     <p:extLst>
       <p:ext uri="{BB962C8B-B14F-4D97-AF65-F5344CB8AC3E}">
-        <p14:creationId xmlns:p14="http://schemas.microsoft.com/office/powerpoint/2010/main" val="3774073459"/>
+        <p14:creationId xmlns:p14="http://schemas.microsoft.com/office/powerpoint/2010/main" val="2913214757"/>
+      </p:ext>
+    </p:extLst>
+  </p:cSld>
+  <p:clrMapOvr>
+    <a:masterClrMapping/>
+  </p:clrMapOvr>
+</p:sld>
+</file>
+
+<file path=ppt/slides/slide4.xml><?xml version="1.0" encoding="utf-8"?>
+<p:sld xmlns:a="http://schemas.openxmlformats.org/drawingml/2006/main" xmlns:r="http://schemas.openxmlformats.org/officeDocument/2006/relationships" xmlns:p="http://schemas.openxmlformats.org/presentationml/2006/main">
+  <p:cSld>
+    <p:spTree>
+      <p:nvGrpSpPr>
+        <p:cNvPr id="1" name=""/>
+        <p:cNvGrpSpPr/>
+        <p:nvPr/>
+      </p:nvGrpSpPr>
+      <p:grpSpPr>
+        <a:xfrm>
+          <a:off x="0" y="0"/>
+          <a:ext cx="0" cy="0"/>
+          <a:chOff x="0" y="0"/>
+          <a:chExt cx="0" cy="0"/>
+        </a:xfrm>
+      </p:grpSpPr>
+      <p:sp>
+        <p:nvSpPr>
+          <p:cNvPr id="4" name="직사각형 3">
+            <a:extLst>
+              <a:ext uri="{FF2B5EF4-FFF2-40B4-BE49-F238E27FC236}">
+                <a16:creationId xmlns:a16="http://schemas.microsoft.com/office/drawing/2014/main" id="{0941E19E-35F3-5903-7897-0F1EF3335C58}"/>
+              </a:ext>
+            </a:extLst>
+          </p:cNvPr>
+          <p:cNvSpPr/>
+          <p:nvPr/>
+        </p:nvSpPr>
+        <p:spPr>
+          <a:xfrm>
+            <a:off x="181160" y="177016"/>
+            <a:ext cx="11829679" cy="6503968"/>
+          </a:xfrm>
+          <a:prstGeom prst="rect">
+            <a:avLst/>
+          </a:prstGeom>
+          <a:solidFill>
+            <a:srgbClr val="F2EDEA"/>
+          </a:solidFill>
+          <a:ln w="381000">
+            <a:solidFill>
+              <a:srgbClr val="526680">
+                <a:alpha val="92941"/>
+              </a:srgbClr>
+            </a:solidFill>
+          </a:ln>
+        </p:spPr>
+        <p:style>
+          <a:lnRef idx="2">
+            <a:schemeClr val="accent1">
+              <a:shade val="50000"/>
+            </a:schemeClr>
+          </a:lnRef>
+          <a:fillRef idx="1">
+            <a:schemeClr val="accent1"/>
+          </a:fillRef>
+          <a:effectRef idx="0">
+            <a:schemeClr val="accent1"/>
+          </a:effectRef>
+          <a:fontRef idx="minor">
+            <a:schemeClr val="lt1"/>
+          </a:fontRef>
+        </p:style>
+        <p:txBody>
+          <a:bodyPr rtlCol="0" anchor="ctr"/>
+          <a:lstStyle/>
+          <a:p>
+            <a:pPr algn="ctr"/>
+            <a:endParaRPr lang="ko-KR" altLang="en-US" sz="1600" dirty="0"/>
+          </a:p>
+        </p:txBody>
+      </p:sp>
+      <p:sp>
+        <p:nvSpPr>
+          <p:cNvPr id="2" name="TextBox 1">
+            <a:extLst>
+              <a:ext uri="{FF2B5EF4-FFF2-40B4-BE49-F238E27FC236}">
+                <a16:creationId xmlns:a16="http://schemas.microsoft.com/office/drawing/2014/main" id="{0DD87FAD-ABAA-9B7F-CF82-2DD5C7FEB2D4}"/>
+              </a:ext>
+            </a:extLst>
+          </p:cNvPr>
+          <p:cNvSpPr txBox="1"/>
+          <p:nvPr/>
+        </p:nvSpPr>
+        <p:spPr>
+          <a:xfrm>
+            <a:off x="564357" y="614363"/>
+            <a:ext cx="3125599" cy="461665"/>
+          </a:xfrm>
+          <a:prstGeom prst="rect">
+            <a:avLst/>
+          </a:prstGeom>
+          <a:noFill/>
+        </p:spPr>
+        <p:txBody>
+          <a:bodyPr wrap="none" rtlCol="0">
+            <a:spAutoFit/>
+          </a:bodyPr>
+          <a:lstStyle/>
+          <a:p>
+            <a:r>
+              <a:rPr lang="en-US" altLang="ko-KR" sz="2400" b="1" dirty="0">
+                <a:solidFill>
+                  <a:srgbClr val="526680"/>
+                </a:solidFill>
+              </a:rPr>
+              <a:t>Mini Game Paradise</a:t>
+            </a:r>
+            <a:endParaRPr lang="ko-KR" altLang="en-US" sz="2400" b="1" dirty="0">
+              <a:solidFill>
+                <a:srgbClr val="526680"/>
+              </a:solidFill>
+            </a:endParaRPr>
+          </a:p>
+        </p:txBody>
+      </p:sp>
+      <p:sp>
+        <p:nvSpPr>
+          <p:cNvPr id="3" name="TextBox 2">
+            <a:extLst>
+              <a:ext uri="{FF2B5EF4-FFF2-40B4-BE49-F238E27FC236}">
+                <a16:creationId xmlns:a16="http://schemas.microsoft.com/office/drawing/2014/main" id="{9482BFF1-AA17-DE8D-07D2-97844F2BB69C}"/>
+              </a:ext>
+            </a:extLst>
+          </p:cNvPr>
+          <p:cNvSpPr txBox="1"/>
+          <p:nvPr/>
+        </p:nvSpPr>
+        <p:spPr>
+          <a:xfrm>
+            <a:off x="588167" y="1206051"/>
+            <a:ext cx="11015663" cy="506357"/>
+          </a:xfrm>
+          <a:prstGeom prst="rect">
+            <a:avLst/>
+          </a:prstGeom>
+          <a:noFill/>
+        </p:spPr>
+        <p:txBody>
+          <a:bodyPr wrap="square" rtlCol="0">
+            <a:spAutoFit/>
+          </a:bodyPr>
+          <a:lstStyle/>
+          <a:p>
+            <a:pPr marL="285750" indent="-285750">
+              <a:lnSpc>
+                <a:spcPct val="200000"/>
+              </a:lnSpc>
+              <a:buFont typeface="Wingdings" panose="05000000000000000000" pitchFamily="2" charset="2"/>
+              <a:buChar char="ü"/>
+            </a:pPr>
+            <a:r>
+              <a:rPr lang="ko-KR" altLang="en-US" sz="1600" dirty="0">
+                <a:solidFill>
+                  <a:srgbClr val="526680"/>
+                </a:solidFill>
+              </a:rPr>
+              <a:t>진행 상황</a:t>
+            </a:r>
+            <a:endParaRPr lang="en-US" altLang="ko-KR" sz="1600" dirty="0">
+              <a:solidFill>
+                <a:srgbClr val="526680"/>
+              </a:solidFill>
+            </a:endParaRPr>
+          </a:p>
+        </p:txBody>
+      </p:sp>
+      <p:pic>
+        <p:nvPicPr>
+          <p:cNvPr id="6" name="그림 5">
+            <a:extLst>
+              <a:ext uri="{FF2B5EF4-FFF2-40B4-BE49-F238E27FC236}">
+                <a16:creationId xmlns:a16="http://schemas.microsoft.com/office/drawing/2014/main" id="{CC76E47B-74BA-9D97-DF5D-00EF4E08E1EA}"/>
+              </a:ext>
+            </a:extLst>
+          </p:cNvPr>
+          <p:cNvPicPr>
+            <a:picLocks noChangeAspect="1"/>
+          </p:cNvPicPr>
+          <p:nvPr/>
+        </p:nvPicPr>
+        <p:blipFill>
+          <a:blip r:embed="rId2"/>
+          <a:stretch>
+            <a:fillRect/>
+          </a:stretch>
+        </p:blipFill>
+        <p:spPr>
+          <a:xfrm>
+            <a:off x="846439" y="1842431"/>
+            <a:ext cx="2041857" cy="3630793"/>
+          </a:xfrm>
+          <a:prstGeom prst="rect">
+            <a:avLst/>
+          </a:prstGeom>
+        </p:spPr>
+      </p:pic>
+      <p:pic>
+        <p:nvPicPr>
+          <p:cNvPr id="8" name="그림 7">
+            <a:extLst>
+              <a:ext uri="{FF2B5EF4-FFF2-40B4-BE49-F238E27FC236}">
+                <a16:creationId xmlns:a16="http://schemas.microsoft.com/office/drawing/2014/main" id="{3FD99F4C-B0FA-40D5-027B-FE3317981AE6}"/>
+              </a:ext>
+            </a:extLst>
+          </p:cNvPr>
+          <p:cNvPicPr>
+            <a:picLocks noChangeAspect="1"/>
+          </p:cNvPicPr>
+          <p:nvPr/>
+        </p:nvPicPr>
+        <p:blipFill>
+          <a:blip r:embed="rId3"/>
+          <a:stretch>
+            <a:fillRect/>
+          </a:stretch>
+        </p:blipFill>
+        <p:spPr>
+          <a:xfrm>
+            <a:off x="3265614" y="1842430"/>
+            <a:ext cx="2068881" cy="3630794"/>
+          </a:xfrm>
+          <a:prstGeom prst="rect">
+            <a:avLst/>
+          </a:prstGeom>
+        </p:spPr>
+      </p:pic>
+      <p:pic>
+        <p:nvPicPr>
+          <p:cNvPr id="10" name="그림 9">
+            <a:extLst>
+              <a:ext uri="{FF2B5EF4-FFF2-40B4-BE49-F238E27FC236}">
+                <a16:creationId xmlns:a16="http://schemas.microsoft.com/office/drawing/2014/main" id="{C4366144-11E5-7C62-116D-ABE717448F6E}"/>
+              </a:ext>
+            </a:extLst>
+          </p:cNvPr>
+          <p:cNvPicPr>
+            <a:picLocks noChangeAspect="1"/>
+          </p:cNvPicPr>
+          <p:nvPr/>
+        </p:nvPicPr>
+        <p:blipFill>
+          <a:blip r:embed="rId4"/>
+          <a:stretch>
+            <a:fillRect/>
+          </a:stretch>
+        </p:blipFill>
+        <p:spPr>
+          <a:xfrm>
+            <a:off x="5711813" y="1842431"/>
+            <a:ext cx="2054310" cy="3630793"/>
+          </a:xfrm>
+          <a:prstGeom prst="rect">
+            <a:avLst/>
+          </a:prstGeom>
+        </p:spPr>
+      </p:pic>
+      <p:sp>
+        <p:nvSpPr>
+          <p:cNvPr id="11" name="TextBox 10">
+            <a:extLst>
+              <a:ext uri="{FF2B5EF4-FFF2-40B4-BE49-F238E27FC236}">
+                <a16:creationId xmlns:a16="http://schemas.microsoft.com/office/drawing/2014/main" id="{EA7BFAE4-57D9-8B37-716C-3029A5750661}"/>
+              </a:ext>
+            </a:extLst>
+          </p:cNvPr>
+          <p:cNvSpPr txBox="1"/>
+          <p:nvPr/>
+        </p:nvSpPr>
+        <p:spPr>
+          <a:xfrm>
+            <a:off x="1302469" y="5598507"/>
+            <a:ext cx="1129795" cy="338554"/>
+          </a:xfrm>
+          <a:prstGeom prst="rect">
+            <a:avLst/>
+          </a:prstGeom>
+          <a:noFill/>
+        </p:spPr>
+        <p:txBody>
+          <a:bodyPr wrap="square" rtlCol="0">
+            <a:spAutoFit/>
+          </a:bodyPr>
+          <a:lstStyle/>
+          <a:p>
+            <a:r>
+              <a:rPr lang="ko-KR" altLang="en-US" sz="1600" dirty="0">
+                <a:solidFill>
+                  <a:srgbClr val="526680"/>
+                </a:solidFill>
+              </a:rPr>
+              <a:t>시작 화면</a:t>
+            </a:r>
+            <a:endParaRPr lang="en-US" altLang="ko-KR" sz="1600" dirty="0">
+              <a:solidFill>
+                <a:srgbClr val="526680"/>
+              </a:solidFill>
+            </a:endParaRPr>
+          </a:p>
+        </p:txBody>
+      </p:sp>
+      <p:sp>
+        <p:nvSpPr>
+          <p:cNvPr id="12" name="TextBox 11">
+            <a:extLst>
+              <a:ext uri="{FF2B5EF4-FFF2-40B4-BE49-F238E27FC236}">
+                <a16:creationId xmlns:a16="http://schemas.microsoft.com/office/drawing/2014/main" id="{D1D99372-195F-BE62-C86F-C6823924D802}"/>
+              </a:ext>
+            </a:extLst>
+          </p:cNvPr>
+          <p:cNvSpPr txBox="1"/>
+          <p:nvPr/>
+        </p:nvSpPr>
+        <p:spPr>
+          <a:xfrm>
+            <a:off x="3414543" y="5598507"/>
+            <a:ext cx="1771022" cy="338554"/>
+          </a:xfrm>
+          <a:prstGeom prst="rect">
+            <a:avLst/>
+          </a:prstGeom>
+          <a:noFill/>
+        </p:spPr>
+        <p:txBody>
+          <a:bodyPr wrap="square" rtlCol="0">
+            <a:spAutoFit/>
+          </a:bodyPr>
+          <a:lstStyle/>
+          <a:p>
+            <a:r>
+              <a:rPr lang="ko-KR" altLang="en-US" sz="1600" dirty="0">
+                <a:solidFill>
+                  <a:srgbClr val="526680"/>
+                </a:solidFill>
+              </a:rPr>
+              <a:t>캐릭터 선택 화면</a:t>
+            </a:r>
+            <a:endParaRPr lang="en-US" altLang="ko-KR" sz="1600" dirty="0">
+              <a:solidFill>
+                <a:srgbClr val="526680"/>
+              </a:solidFill>
+            </a:endParaRPr>
+          </a:p>
+        </p:txBody>
+      </p:sp>
+      <p:sp>
+        <p:nvSpPr>
+          <p:cNvPr id="13" name="TextBox 12">
+            <a:extLst>
+              <a:ext uri="{FF2B5EF4-FFF2-40B4-BE49-F238E27FC236}">
+                <a16:creationId xmlns:a16="http://schemas.microsoft.com/office/drawing/2014/main" id="{A8307CE2-B07A-BF26-4B1B-83518C06CB88}"/>
+              </a:ext>
+            </a:extLst>
+          </p:cNvPr>
+          <p:cNvSpPr txBox="1"/>
+          <p:nvPr/>
+        </p:nvSpPr>
+        <p:spPr>
+          <a:xfrm>
+            <a:off x="5960595" y="5598507"/>
+            <a:ext cx="1556746" cy="338554"/>
+          </a:xfrm>
+          <a:prstGeom prst="rect">
+            <a:avLst/>
+          </a:prstGeom>
+          <a:noFill/>
+        </p:spPr>
+        <p:txBody>
+          <a:bodyPr wrap="square" rtlCol="0">
+            <a:spAutoFit/>
+          </a:bodyPr>
+          <a:lstStyle/>
+          <a:p>
+            <a:r>
+              <a:rPr lang="ko-KR" altLang="en-US" sz="1600">
+                <a:solidFill>
+                  <a:srgbClr val="526680"/>
+                </a:solidFill>
+              </a:rPr>
+              <a:t>게임 </a:t>
+            </a:r>
+            <a:r>
+              <a:rPr lang="ko-KR" altLang="en-US" sz="1600" dirty="0">
+                <a:solidFill>
+                  <a:srgbClr val="526680"/>
+                </a:solidFill>
+              </a:rPr>
+              <a:t>선택 화면</a:t>
+            </a:r>
+            <a:endParaRPr lang="en-US" altLang="ko-KR" sz="1600" dirty="0">
+              <a:solidFill>
+                <a:srgbClr val="526680"/>
+              </a:solidFill>
+            </a:endParaRPr>
+          </a:p>
+        </p:txBody>
+      </p:sp>
+      <p:sp>
+        <p:nvSpPr>
+          <p:cNvPr id="14" name="TextBox 13">
+            <a:extLst>
+              <a:ext uri="{FF2B5EF4-FFF2-40B4-BE49-F238E27FC236}">
+                <a16:creationId xmlns:a16="http://schemas.microsoft.com/office/drawing/2014/main" id="{894519F1-B9C8-3897-A5AB-D6919F083AB0}"/>
+              </a:ext>
+            </a:extLst>
+          </p:cNvPr>
+          <p:cNvSpPr txBox="1"/>
+          <p:nvPr/>
+        </p:nvSpPr>
+        <p:spPr>
+          <a:xfrm>
+            <a:off x="8143441" y="2527485"/>
+            <a:ext cx="3291103" cy="2260683"/>
+          </a:xfrm>
+          <a:prstGeom prst="rect">
+            <a:avLst/>
+          </a:prstGeom>
+          <a:noFill/>
+        </p:spPr>
+        <p:txBody>
+          <a:bodyPr wrap="square" rtlCol="0">
+            <a:spAutoFit/>
+          </a:bodyPr>
+          <a:lstStyle/>
+          <a:p>
+            <a:pPr marL="285750" indent="-285750">
+              <a:lnSpc>
+                <a:spcPct val="150000"/>
+              </a:lnSpc>
+              <a:buFont typeface="Wingdings" panose="05000000000000000000" pitchFamily="2" charset="2"/>
+              <a:buChar char="ü"/>
+            </a:pPr>
+            <a:r>
+              <a:rPr lang="ko-KR" altLang="en-US" sz="1600" dirty="0">
+                <a:solidFill>
+                  <a:srgbClr val="526680"/>
+                </a:solidFill>
+              </a:rPr>
+              <a:t>시작 화면</a:t>
+            </a:r>
+            <a:r>
+              <a:rPr lang="en-US" altLang="ko-KR" sz="1600" dirty="0">
+                <a:solidFill>
+                  <a:srgbClr val="526680"/>
+                </a:solidFill>
+              </a:rPr>
+              <a:t>, </a:t>
+            </a:r>
+            <a:r>
+              <a:rPr lang="ko-KR" altLang="en-US" sz="1600" dirty="0">
+                <a:solidFill>
+                  <a:srgbClr val="526680"/>
+                </a:solidFill>
+              </a:rPr>
+              <a:t>캐릭터 선택 화면</a:t>
+            </a:r>
+            <a:r>
+              <a:rPr lang="en-US" altLang="ko-KR" sz="1600" dirty="0">
+                <a:solidFill>
+                  <a:srgbClr val="526680"/>
+                </a:solidFill>
+              </a:rPr>
+              <a:t>, </a:t>
+            </a:r>
+            <a:r>
+              <a:rPr lang="ko-KR" altLang="en-US" sz="1600" dirty="0">
+                <a:solidFill>
+                  <a:srgbClr val="526680"/>
+                </a:solidFill>
+              </a:rPr>
+              <a:t>게임 선택 화면 구성 진행중</a:t>
+            </a:r>
+            <a:endParaRPr lang="en-US" altLang="ko-KR" sz="1600" dirty="0">
+              <a:solidFill>
+                <a:srgbClr val="526680"/>
+              </a:solidFill>
+            </a:endParaRPr>
+          </a:p>
+          <a:p>
+            <a:pPr>
+              <a:lnSpc>
+                <a:spcPct val="150000"/>
+              </a:lnSpc>
+            </a:pPr>
+            <a:endParaRPr lang="en-US" altLang="ko-KR" sz="1600" dirty="0">
+              <a:solidFill>
+                <a:srgbClr val="526680"/>
+              </a:solidFill>
+            </a:endParaRPr>
+          </a:p>
+          <a:p>
+            <a:pPr marL="285750" indent="-285750">
+              <a:lnSpc>
+                <a:spcPct val="150000"/>
+              </a:lnSpc>
+              <a:buFont typeface="Wingdings" panose="05000000000000000000" pitchFamily="2" charset="2"/>
+              <a:buChar char="ü"/>
+            </a:pPr>
+            <a:r>
+              <a:rPr lang="ko-KR" altLang="en-US" sz="1600" dirty="0">
+                <a:solidFill>
+                  <a:srgbClr val="526680"/>
+                </a:solidFill>
+              </a:rPr>
+              <a:t>두더지 게임</a:t>
+            </a:r>
+            <a:r>
+              <a:rPr lang="en-US" altLang="ko-KR" sz="1600" dirty="0">
+                <a:solidFill>
+                  <a:srgbClr val="526680"/>
+                </a:solidFill>
+              </a:rPr>
+              <a:t>, </a:t>
+            </a:r>
+            <a:r>
+              <a:rPr lang="ko-KR" altLang="en-US" sz="1600" dirty="0">
+                <a:solidFill>
+                  <a:srgbClr val="526680"/>
+                </a:solidFill>
+              </a:rPr>
+              <a:t>숫자 야구 게임</a:t>
+            </a:r>
+            <a:r>
+              <a:rPr lang="en-US" altLang="ko-KR" sz="1600" dirty="0">
+                <a:solidFill>
+                  <a:srgbClr val="526680"/>
+                </a:solidFill>
+              </a:rPr>
+              <a:t>, </a:t>
+            </a:r>
+            <a:r>
+              <a:rPr lang="ko-KR" altLang="en-US" sz="1600" dirty="0">
+                <a:solidFill>
+                  <a:srgbClr val="526680"/>
+                </a:solidFill>
+              </a:rPr>
+              <a:t>숫자 </a:t>
+            </a:r>
+            <a:r>
+              <a:rPr lang="ko-KR" altLang="en-US" sz="1600" dirty="0" err="1">
+                <a:solidFill>
+                  <a:srgbClr val="526680"/>
+                </a:solidFill>
+              </a:rPr>
+              <a:t>업다운</a:t>
+            </a:r>
+            <a:r>
+              <a:rPr lang="ko-KR" altLang="en-US" sz="1600" dirty="0">
+                <a:solidFill>
+                  <a:srgbClr val="526680"/>
+                </a:solidFill>
+              </a:rPr>
+              <a:t> 게임</a:t>
+            </a:r>
+            <a:r>
+              <a:rPr lang="en-US" altLang="ko-KR" sz="1600" dirty="0">
+                <a:solidFill>
+                  <a:srgbClr val="526680"/>
+                </a:solidFill>
+              </a:rPr>
+              <a:t>, </a:t>
+            </a:r>
+            <a:r>
+              <a:rPr lang="ko-KR" altLang="en-US" sz="1600" dirty="0">
+                <a:solidFill>
+                  <a:srgbClr val="526680"/>
+                </a:solidFill>
+              </a:rPr>
+              <a:t>보너스 게임 자바 언어로 프로토 타입 완료 </a:t>
+            </a:r>
+            <a:endParaRPr lang="en-US" altLang="ko-KR" sz="1600" dirty="0">
+              <a:solidFill>
+                <a:srgbClr val="526680"/>
+              </a:solidFill>
+            </a:endParaRPr>
+          </a:p>
+        </p:txBody>
+      </p:sp>
+    </p:spTree>
+    <p:extLst>
+      <p:ext uri="{BB962C8B-B14F-4D97-AF65-F5344CB8AC3E}">
+        <p14:creationId xmlns:p14="http://schemas.microsoft.com/office/powerpoint/2010/main" val="3641114067"/>
+      </p:ext>
+    </p:extLst>
+  </p:cSld>
+  <p:clrMapOvr>
+    <a:masterClrMapping/>
+  </p:clrMapOvr>
+</p:sld>
+</file>
+
+<file path=ppt/slides/slide5.xml><?xml version="1.0" encoding="utf-8"?>
+<p:sld xmlns:a="http://schemas.openxmlformats.org/drawingml/2006/main" xmlns:r="http://schemas.openxmlformats.org/officeDocument/2006/relationships" xmlns:p="http://schemas.openxmlformats.org/presentationml/2006/main">
+  <p:cSld>
+    <p:spTree>
+      <p:nvGrpSpPr>
+        <p:cNvPr id="1" name=""/>
+        <p:cNvGrpSpPr/>
+        <p:nvPr/>
+      </p:nvGrpSpPr>
+      <p:grpSpPr>
+        <a:xfrm>
+          <a:off x="0" y="0"/>
+          <a:ext cx="0" cy="0"/>
+          <a:chOff x="0" y="0"/>
+          <a:chExt cx="0" cy="0"/>
+        </a:xfrm>
+      </p:grpSpPr>
+      <p:sp>
+        <p:nvSpPr>
+          <p:cNvPr id="4" name="직사각형 3">
+            <a:extLst>
+              <a:ext uri="{FF2B5EF4-FFF2-40B4-BE49-F238E27FC236}">
+                <a16:creationId xmlns:a16="http://schemas.microsoft.com/office/drawing/2014/main" id="{0941E19E-35F3-5903-7897-0F1EF3335C58}"/>
+              </a:ext>
+            </a:extLst>
+          </p:cNvPr>
+          <p:cNvSpPr/>
+          <p:nvPr/>
+        </p:nvSpPr>
+        <p:spPr>
+          <a:xfrm>
+            <a:off x="181160" y="177016"/>
+            <a:ext cx="11829679" cy="6503968"/>
+          </a:xfrm>
+          <a:prstGeom prst="rect">
+            <a:avLst/>
+          </a:prstGeom>
+          <a:solidFill>
+            <a:srgbClr val="F2EDEA"/>
+          </a:solidFill>
+          <a:ln w="381000">
+            <a:solidFill>
+              <a:srgbClr val="526680">
+                <a:alpha val="92941"/>
+              </a:srgbClr>
+            </a:solidFill>
+          </a:ln>
+        </p:spPr>
+        <p:style>
+          <a:lnRef idx="2">
+            <a:schemeClr val="accent1">
+              <a:shade val="50000"/>
+            </a:schemeClr>
+          </a:lnRef>
+          <a:fillRef idx="1">
+            <a:schemeClr val="accent1"/>
+          </a:fillRef>
+          <a:effectRef idx="0">
+            <a:schemeClr val="accent1"/>
+          </a:effectRef>
+          <a:fontRef idx="minor">
+            <a:schemeClr val="lt1"/>
+          </a:fontRef>
+        </p:style>
+        <p:txBody>
+          <a:bodyPr rtlCol="0" anchor="ctr"/>
+          <a:lstStyle/>
+          <a:p>
+            <a:pPr algn="ctr"/>
+            <a:endParaRPr lang="ko-KR" altLang="en-US" sz="1600" dirty="0"/>
+          </a:p>
+        </p:txBody>
+      </p:sp>
+      <p:sp>
+        <p:nvSpPr>
+          <p:cNvPr id="2" name="TextBox 1">
+            <a:extLst>
+              <a:ext uri="{FF2B5EF4-FFF2-40B4-BE49-F238E27FC236}">
+                <a16:creationId xmlns:a16="http://schemas.microsoft.com/office/drawing/2014/main" id="{0DD87FAD-ABAA-9B7F-CF82-2DD5C7FEB2D4}"/>
+              </a:ext>
+            </a:extLst>
+          </p:cNvPr>
+          <p:cNvSpPr txBox="1"/>
+          <p:nvPr/>
+        </p:nvSpPr>
+        <p:spPr>
+          <a:xfrm>
+            <a:off x="564357" y="614363"/>
+            <a:ext cx="3125599" cy="461665"/>
+          </a:xfrm>
+          <a:prstGeom prst="rect">
+            <a:avLst/>
+          </a:prstGeom>
+          <a:noFill/>
+        </p:spPr>
+        <p:txBody>
+          <a:bodyPr wrap="none" rtlCol="0">
+            <a:spAutoFit/>
+          </a:bodyPr>
+          <a:lstStyle/>
+          <a:p>
+            <a:r>
+              <a:rPr lang="en-US" altLang="ko-KR" sz="2400" b="1" dirty="0">
+                <a:solidFill>
+                  <a:srgbClr val="526680"/>
+                </a:solidFill>
+              </a:rPr>
+              <a:t>Mini Game Paradise</a:t>
+            </a:r>
+            <a:endParaRPr lang="ko-KR" altLang="en-US" sz="2400" b="1" dirty="0">
+              <a:solidFill>
+                <a:srgbClr val="526680"/>
+              </a:solidFill>
+            </a:endParaRPr>
+          </a:p>
+        </p:txBody>
+      </p:sp>
+      <p:sp>
+        <p:nvSpPr>
+          <p:cNvPr id="3" name="TextBox 2">
+            <a:extLst>
+              <a:ext uri="{FF2B5EF4-FFF2-40B4-BE49-F238E27FC236}">
+                <a16:creationId xmlns:a16="http://schemas.microsoft.com/office/drawing/2014/main" id="{9482BFF1-AA17-DE8D-07D2-97844F2BB69C}"/>
+              </a:ext>
+            </a:extLst>
+          </p:cNvPr>
+          <p:cNvSpPr txBox="1"/>
+          <p:nvPr/>
+        </p:nvSpPr>
+        <p:spPr>
+          <a:xfrm>
+            <a:off x="588167" y="2190936"/>
+            <a:ext cx="11015663" cy="2476127"/>
+          </a:xfrm>
+          <a:prstGeom prst="rect">
+            <a:avLst/>
+          </a:prstGeom>
+          <a:noFill/>
+        </p:spPr>
+        <p:txBody>
+          <a:bodyPr wrap="square" rtlCol="0">
+            <a:spAutoFit/>
+          </a:bodyPr>
+          <a:lstStyle/>
+          <a:p>
+            <a:pPr marL="285750" indent="-285750">
+              <a:lnSpc>
+                <a:spcPct val="200000"/>
+              </a:lnSpc>
+              <a:buFont typeface="Wingdings" panose="05000000000000000000" pitchFamily="2" charset="2"/>
+              <a:buChar char="ü"/>
+            </a:pPr>
+            <a:r>
+              <a:rPr lang="en-US" altLang="ko-KR" sz="1600" dirty="0">
+                <a:solidFill>
+                  <a:srgbClr val="526680"/>
+                </a:solidFill>
+              </a:rPr>
+              <a:t>TO-DO</a:t>
+            </a:r>
+          </a:p>
+          <a:p>
+            <a:pPr marL="742950" lvl="1" indent="-285750">
+              <a:lnSpc>
+                <a:spcPct val="200000"/>
+              </a:lnSpc>
+              <a:buFont typeface="Wingdings" panose="05000000000000000000" pitchFamily="2" charset="2"/>
+              <a:buChar char="ü"/>
+            </a:pPr>
+            <a:r>
+              <a:rPr lang="ko-KR" altLang="en-US" sz="1600" dirty="0">
+                <a:solidFill>
+                  <a:srgbClr val="526680"/>
+                </a:solidFill>
+              </a:rPr>
+              <a:t>시작 화면</a:t>
+            </a:r>
+            <a:r>
+              <a:rPr lang="en-US" altLang="ko-KR" sz="1600" dirty="0">
+                <a:solidFill>
+                  <a:srgbClr val="526680"/>
+                </a:solidFill>
+              </a:rPr>
+              <a:t>, </a:t>
+            </a:r>
+            <a:r>
+              <a:rPr lang="ko-KR" altLang="en-US" sz="1600" dirty="0">
+                <a:solidFill>
+                  <a:srgbClr val="526680"/>
+                </a:solidFill>
+              </a:rPr>
+              <a:t>캐릭터 선택 화면</a:t>
+            </a:r>
+            <a:r>
+              <a:rPr lang="en-US" altLang="ko-KR" sz="1600" dirty="0">
+                <a:solidFill>
+                  <a:srgbClr val="526680"/>
+                </a:solidFill>
+              </a:rPr>
+              <a:t>, </a:t>
+            </a:r>
+            <a:r>
+              <a:rPr lang="ko-KR" altLang="en-US" sz="1600" dirty="0">
+                <a:solidFill>
+                  <a:srgbClr val="526680"/>
+                </a:solidFill>
+              </a:rPr>
+              <a:t>게임 선택 화면 </a:t>
+            </a:r>
+            <a:r>
+              <a:rPr lang="ko-KR" altLang="en-US" sz="1600" dirty="0" err="1">
+                <a:solidFill>
+                  <a:srgbClr val="526680"/>
+                </a:solidFill>
+              </a:rPr>
+              <a:t>코틀린으로</a:t>
+            </a:r>
+            <a:r>
+              <a:rPr lang="ko-KR" altLang="en-US" sz="1600" dirty="0">
+                <a:solidFill>
+                  <a:srgbClr val="526680"/>
+                </a:solidFill>
+              </a:rPr>
+              <a:t> 코딩</a:t>
+            </a:r>
+            <a:endParaRPr lang="en-US" altLang="ko-KR" sz="1600" dirty="0">
+              <a:solidFill>
+                <a:srgbClr val="526680"/>
+              </a:solidFill>
+            </a:endParaRPr>
+          </a:p>
+          <a:p>
+            <a:pPr marL="742950" lvl="1" indent="-285750">
+              <a:lnSpc>
+                <a:spcPct val="200000"/>
+              </a:lnSpc>
+              <a:buFont typeface="Wingdings" panose="05000000000000000000" pitchFamily="2" charset="2"/>
+              <a:buChar char="ü"/>
+            </a:pPr>
+            <a:r>
+              <a:rPr lang="ko-KR" altLang="en-US" sz="1600" dirty="0">
+                <a:solidFill>
+                  <a:srgbClr val="526680"/>
+                </a:solidFill>
+              </a:rPr>
+              <a:t>프로토 타입 게임들 </a:t>
+            </a:r>
+            <a:r>
+              <a:rPr lang="ko-KR" altLang="en-US" sz="1600" dirty="0" err="1">
+                <a:solidFill>
+                  <a:srgbClr val="526680"/>
+                </a:solidFill>
+              </a:rPr>
+              <a:t>코틀린으로</a:t>
+            </a:r>
+            <a:r>
+              <a:rPr lang="ko-KR" altLang="en-US" sz="1600" dirty="0">
+                <a:solidFill>
+                  <a:srgbClr val="526680"/>
+                </a:solidFill>
+              </a:rPr>
+              <a:t> 재구성</a:t>
+            </a:r>
+            <a:endParaRPr lang="en-US" altLang="ko-KR" sz="1600" dirty="0">
+              <a:solidFill>
+                <a:srgbClr val="526680"/>
+              </a:solidFill>
+            </a:endParaRPr>
+          </a:p>
+          <a:p>
+            <a:pPr marL="742950" lvl="1" indent="-285750">
+              <a:lnSpc>
+                <a:spcPct val="200000"/>
+              </a:lnSpc>
+              <a:buFont typeface="Wingdings" panose="05000000000000000000" pitchFamily="2" charset="2"/>
+              <a:buChar char="ü"/>
+            </a:pPr>
+            <a:r>
+              <a:rPr lang="ko-KR" altLang="en-US" sz="1600" dirty="0">
+                <a:solidFill>
+                  <a:srgbClr val="526680"/>
+                </a:solidFill>
+              </a:rPr>
+              <a:t>구상중인 게임</a:t>
+            </a:r>
+            <a:r>
+              <a:rPr lang="en-US" altLang="ko-KR" sz="1600" dirty="0">
+                <a:solidFill>
+                  <a:srgbClr val="526680"/>
+                </a:solidFill>
+              </a:rPr>
+              <a:t>(</a:t>
+            </a:r>
+            <a:r>
+              <a:rPr lang="ko-KR" altLang="en-US" sz="1600" dirty="0">
+                <a:solidFill>
+                  <a:srgbClr val="526680"/>
+                </a:solidFill>
+              </a:rPr>
+              <a:t>카드 뒤집기</a:t>
+            </a:r>
+            <a:r>
+              <a:rPr lang="en-US" altLang="ko-KR" sz="1600" dirty="0">
+                <a:solidFill>
+                  <a:srgbClr val="526680"/>
+                </a:solidFill>
+              </a:rPr>
+              <a:t>, </a:t>
+            </a:r>
+            <a:r>
+              <a:rPr lang="ko-KR" altLang="en-US" sz="1600" dirty="0">
+                <a:solidFill>
+                  <a:srgbClr val="526680"/>
+                </a:solidFill>
+              </a:rPr>
+              <a:t>숫자 </a:t>
+            </a:r>
+            <a:r>
+              <a:rPr lang="ko-KR" altLang="en-US" sz="1600" dirty="0" err="1">
+                <a:solidFill>
+                  <a:srgbClr val="526680"/>
+                </a:solidFill>
+              </a:rPr>
+              <a:t>업다운</a:t>
+            </a:r>
+            <a:r>
+              <a:rPr lang="en-US" altLang="ko-KR" sz="1600" dirty="0">
+                <a:solidFill>
+                  <a:srgbClr val="526680"/>
+                </a:solidFill>
+              </a:rPr>
+              <a:t>)</a:t>
+            </a:r>
+            <a:r>
+              <a:rPr lang="ko-KR" altLang="en-US" sz="1600" dirty="0">
+                <a:solidFill>
+                  <a:srgbClr val="526680"/>
+                </a:solidFill>
+              </a:rPr>
+              <a:t> 구체화</a:t>
+            </a:r>
+            <a:endParaRPr lang="en-US" altLang="ko-KR" sz="1600" dirty="0">
+              <a:solidFill>
+                <a:srgbClr val="526680"/>
+              </a:solidFill>
+            </a:endParaRPr>
+          </a:p>
+          <a:p>
+            <a:pPr marL="742950" lvl="1" indent="-285750">
+              <a:lnSpc>
+                <a:spcPct val="200000"/>
+              </a:lnSpc>
+              <a:buFont typeface="Wingdings" panose="05000000000000000000" pitchFamily="2" charset="2"/>
+              <a:buChar char="ü"/>
+            </a:pPr>
+            <a:r>
+              <a:rPr lang="ko-KR" altLang="en-US" sz="1600" dirty="0">
+                <a:solidFill>
+                  <a:srgbClr val="526680"/>
+                </a:solidFill>
+              </a:rPr>
+              <a:t>카드 뒤집기 게임 제작</a:t>
+            </a:r>
+            <a:endParaRPr lang="en-US" altLang="ko-KR" sz="1600" dirty="0">
+              <a:solidFill>
+                <a:srgbClr val="526680"/>
+              </a:solidFill>
+            </a:endParaRPr>
+          </a:p>
+        </p:txBody>
+      </p:sp>
+    </p:spTree>
+    <p:extLst>
+      <p:ext uri="{BB962C8B-B14F-4D97-AF65-F5344CB8AC3E}">
+        <p14:creationId xmlns:p14="http://schemas.microsoft.com/office/powerpoint/2010/main" val="3942707237"/>
       </p:ext>
     </p:extLst>
   </p:cSld>

--- a/2022_씨애랑SW전시회1차중간점검_20205175박준서,20205220이바다.pptx
+++ b/2022_씨애랑SW전시회1차중간점검_20205175박준서,20205220이바다.pptx
@@ -4969,10 +4969,10 @@
       </p:pic>
       <p:pic>
         <p:nvPicPr>
-          <p:cNvPr id="8" name="그림 7">
-            <a:extLst>
-              <a:ext uri="{FF2B5EF4-FFF2-40B4-BE49-F238E27FC236}">
-                <a16:creationId xmlns:a16="http://schemas.microsoft.com/office/drawing/2014/main" id="{3FD99F4C-B0FA-40D5-027B-FE3317981AE6}"/>
+          <p:cNvPr id="10" name="그림 9">
+            <a:extLst>
+              <a:ext uri="{FF2B5EF4-FFF2-40B4-BE49-F238E27FC236}">
+                <a16:creationId xmlns:a16="http://schemas.microsoft.com/office/drawing/2014/main" id="{C4366144-11E5-7C62-116D-ABE717448F6E}"/>
               </a:ext>
             </a:extLst>
           </p:cNvPr>
@@ -4983,36 +4983,6 @@
         </p:nvPicPr>
         <p:blipFill>
           <a:blip r:embed="rId3"/>
-          <a:stretch>
-            <a:fillRect/>
-          </a:stretch>
-        </p:blipFill>
-        <p:spPr>
-          <a:xfrm>
-            <a:off x="3265614" y="1842430"/>
-            <a:ext cx="2068881" cy="3630794"/>
-          </a:xfrm>
-          <a:prstGeom prst="rect">
-            <a:avLst/>
-          </a:prstGeom>
-        </p:spPr>
-      </p:pic>
-      <p:pic>
-        <p:nvPicPr>
-          <p:cNvPr id="10" name="그림 9">
-            <a:extLst>
-              <a:ext uri="{FF2B5EF4-FFF2-40B4-BE49-F238E27FC236}">
-                <a16:creationId xmlns:a16="http://schemas.microsoft.com/office/drawing/2014/main" id="{C4366144-11E5-7C62-116D-ABE717448F6E}"/>
-              </a:ext>
-            </a:extLst>
-          </p:cNvPr>
-          <p:cNvPicPr>
-            <a:picLocks noChangeAspect="1"/>
-          </p:cNvPicPr>
-          <p:nvPr/>
-        </p:nvPicPr>
-        <p:blipFill>
-          <a:blip r:embed="rId4"/>
           <a:stretch>
             <a:fillRect/>
           </a:stretch>
@@ -5348,6 +5318,36 @@
           </a:p>
         </p:txBody>
       </p:sp>
+      <p:pic>
+        <p:nvPicPr>
+          <p:cNvPr id="7" name="그림 6">
+            <a:extLst>
+              <a:ext uri="{FF2B5EF4-FFF2-40B4-BE49-F238E27FC236}">
+                <a16:creationId xmlns:a16="http://schemas.microsoft.com/office/drawing/2014/main" id="{3AE14E4A-0B57-15B7-98CA-72A97F036496}"/>
+              </a:ext>
+            </a:extLst>
+          </p:cNvPr>
+          <p:cNvPicPr>
+            <a:picLocks noChangeAspect="1"/>
+          </p:cNvPicPr>
+          <p:nvPr/>
+        </p:nvPicPr>
+        <p:blipFill>
+          <a:blip r:embed="rId4"/>
+          <a:stretch>
+            <a:fillRect/>
+          </a:stretch>
+        </p:blipFill>
+        <p:spPr>
+          <a:xfrm>
+            <a:off x="3263461" y="1840061"/>
+            <a:ext cx="2071034" cy="3630793"/>
+          </a:xfrm>
+          <a:prstGeom prst="rect">
+            <a:avLst/>
+          </a:prstGeom>
+        </p:spPr>
+      </p:pic>
     </p:spTree>
     <p:extLst>
       <p:ext uri="{BB962C8B-B14F-4D97-AF65-F5344CB8AC3E}">
